--- a/presentacion/presentaciòn_trimestre_3.pptx
+++ b/presentacion/presentaciòn_trimestre_3.pptx
@@ -263,7 +263,7 @@
   </p:defaultTextStyle>
   <p:extLst>
     <p:ext uri="GoogleSlidesCustomDataVersion2">
-      <go:slidesCustomData xmlns:go="http://customooxmlschemas.google.com/" r:id="rId21" roundtripDataSignature="AMtx7mhzESVSANlOtBKd6pMLrGdse32tNg=="/>
+      <go:slidesCustomData xmlns:go="http://customooxmlschemas.google.com/" r:id="rId21" roundtripDataSignature="AMtx7mj06lTyfIb9AexgpvJ6TGHc3P+4Sw=="/>
     </p:ext>
   </p:extLst>
 </p:presentation>
@@ -1819,7 +1819,7 @@
   <p:cSld>
     <p:spTree>
       <p:nvGrpSpPr>
-        <p:cNvPr id="155" name="Shape 155"/>
+        <p:cNvPr id="157" name="Shape 157"/>
         <p:cNvGrpSpPr/>
         <p:nvPr/>
       </p:nvGrpSpPr>
@@ -1833,7 +1833,7 @@
       </p:grpSpPr>
       <p:sp>
         <p:nvSpPr>
-          <p:cNvPr id="156" name="Google Shape;156;p31:notes"/>
+          <p:cNvPr id="158" name="Google Shape;158;p31:notes"/>
           <p:cNvSpPr txBox="1"/>
           <p:nvPr>
             <p:ph idx="1" type="body"/>
@@ -1884,7 +1884,7 @@
       </p:sp>
       <p:sp>
         <p:nvSpPr>
-          <p:cNvPr id="157" name="Google Shape;157;p31:notes"/>
+          <p:cNvPr id="159" name="Google Shape;159;p31:notes"/>
           <p:cNvSpPr/>
           <p:nvPr>
             <p:ph idx="2" type="sldImg"/>
@@ -1940,7 +1940,7 @@
   <p:cSld>
     <p:spTree>
       <p:nvGrpSpPr>
-        <p:cNvPr id="161" name="Shape 161"/>
+        <p:cNvPr id="163" name="Shape 163"/>
         <p:cNvGrpSpPr/>
         <p:nvPr/>
       </p:nvGrpSpPr>
@@ -1954,7 +1954,7 @@
       </p:grpSpPr>
       <p:sp>
         <p:nvSpPr>
-          <p:cNvPr id="162" name="Google Shape;162;g2d39e21f22f_0_34:notes"/>
+          <p:cNvPr id="164" name="Google Shape;164;g2d39e21f22f_0_34:notes"/>
           <p:cNvSpPr txBox="1"/>
           <p:nvPr>
             <p:ph idx="1" type="body"/>
@@ -2005,7 +2005,7 @@
       </p:sp>
       <p:sp>
         <p:nvSpPr>
-          <p:cNvPr id="163" name="Google Shape;163;g2d39e21f22f_0_34:notes"/>
+          <p:cNvPr id="165" name="Google Shape;165;g2d39e21f22f_0_34:notes"/>
           <p:cNvSpPr/>
           <p:nvPr>
             <p:ph idx="2" type="sldImg"/>
@@ -2061,7 +2061,7 @@
   <p:cSld>
     <p:spTree>
       <p:nvGrpSpPr>
-        <p:cNvPr id="168" name="Shape 168"/>
+        <p:cNvPr id="170" name="Shape 170"/>
         <p:cNvGrpSpPr/>
         <p:nvPr/>
       </p:nvGrpSpPr>
@@ -2075,7 +2075,7 @@
       </p:grpSpPr>
       <p:sp>
         <p:nvSpPr>
-          <p:cNvPr id="169" name="Google Shape;169;p14:notes"/>
+          <p:cNvPr id="171" name="Google Shape;171;p14:notes"/>
           <p:cNvSpPr txBox="1"/>
           <p:nvPr>
             <p:ph idx="1" type="body"/>
@@ -2126,7 +2126,7 @@
       </p:sp>
       <p:sp>
         <p:nvSpPr>
-          <p:cNvPr id="170" name="Google Shape;170;p14:notes"/>
+          <p:cNvPr id="172" name="Google Shape;172;p14:notes"/>
           <p:cNvSpPr/>
           <p:nvPr>
             <p:ph idx="2" type="sldImg"/>
@@ -17309,7 +17309,7 @@
   <p:cSld>
     <p:spTree>
       <p:nvGrpSpPr>
-        <p:cNvPr id="158" name="Shape 158"/>
+        <p:cNvPr id="160" name="Shape 160"/>
         <p:cNvGrpSpPr/>
         <p:nvPr/>
       </p:nvGrpSpPr>
@@ -17323,7 +17323,7 @@
       </p:grpSpPr>
       <p:sp>
         <p:nvSpPr>
-          <p:cNvPr id="159" name="Google Shape;159;p31"/>
+          <p:cNvPr id="161" name="Google Shape;161;p31"/>
           <p:cNvSpPr txBox="1"/>
           <p:nvPr>
             <p:ph type="title"/>
@@ -17383,7 +17383,7 @@
       </p:sp>
       <p:cxnSp>
         <p:nvCxnSpPr>
-          <p:cNvPr id="160" name="Google Shape;160;p31"/>
+          <p:cNvPr id="162" name="Google Shape;162;p31"/>
           <p:cNvCxnSpPr/>
           <p:nvPr/>
         </p:nvCxnSpPr>
@@ -17420,7 +17420,7 @@
   <p:cSld>
     <p:spTree>
       <p:nvGrpSpPr>
-        <p:cNvPr id="164" name="Shape 164"/>
+        <p:cNvPr id="166" name="Shape 166"/>
         <p:cNvGrpSpPr/>
         <p:nvPr/>
       </p:nvGrpSpPr>
@@ -17434,7 +17434,7 @@
       </p:grpSpPr>
       <p:sp>
         <p:nvSpPr>
-          <p:cNvPr id="165" name="Google Shape;165;g2d39e21f22f_0_34"/>
+          <p:cNvPr id="167" name="Google Shape;167;g2d39e21f22f_0_34"/>
           <p:cNvSpPr txBox="1"/>
           <p:nvPr>
             <p:ph type="title"/>
@@ -17494,7 +17494,7 @@
       </p:sp>
       <p:cxnSp>
         <p:nvCxnSpPr>
-          <p:cNvPr id="166" name="Google Shape;166;g2d39e21f22f_0_34"/>
+          <p:cNvPr id="168" name="Google Shape;168;g2d39e21f22f_0_34"/>
           <p:cNvCxnSpPr/>
           <p:nvPr/>
         </p:nvCxnSpPr>
@@ -17520,7 +17520,7 @@
       </p:cxnSp>
       <p:pic>
         <p:nvPicPr>
-          <p:cNvPr id="167" name="Google Shape;167;g2d39e21f22f_0_34">
+          <p:cNvPr id="169" name="Google Shape;169;g2d39e21f22f_0_34">
             <a:hlinkClick r:id="rId3"/>
           </p:cNvPr>
           <p:cNvPicPr preferRelativeResize="0"/>
@@ -17561,7 +17561,7 @@
   <p:cSld>
     <p:spTree>
       <p:nvGrpSpPr>
-        <p:cNvPr id="171" name="Shape 171"/>
+        <p:cNvPr id="173" name="Shape 173"/>
         <p:cNvGrpSpPr/>
         <p:nvPr/>
       </p:nvGrpSpPr>
@@ -17575,7 +17575,7 @@
       </p:grpSpPr>
       <p:pic>
         <p:nvPicPr>
-          <p:cNvPr descr="Imagen que contiene Interfaz de usuario gráfica&#10;&#10;Descripción generada automáticamente" id="172" name="Google Shape;172;p14"/>
+          <p:cNvPr descr="Imagen que contiene Interfaz de usuario gráfica&#10;&#10;Descripción generada automáticamente" id="174" name="Google Shape;174;p14"/>
           <p:cNvPicPr preferRelativeResize="0"/>
           <p:nvPr/>
         </p:nvPicPr>
@@ -18870,12 +18870,14 @@
       </p:cxnSp>
       <p:pic>
         <p:nvPicPr>
-          <p:cNvPr id="148" name="Google Shape;148;g2d39e21f22f_0_2"/>
+          <p:cNvPr id="148" name="Google Shape;148;g2d39e21f22f_0_2">
+            <a:hlinkClick r:id="rId3"/>
+          </p:cNvPr>
           <p:cNvPicPr preferRelativeResize="0"/>
           <p:nvPr/>
         </p:nvPicPr>
         <p:blipFill>
-          <a:blip r:embed="rId3">
+          <a:blip r:embed="rId4">
             <a:alphaModFix/>
           </a:blip>
           <a:stretch>
@@ -19007,6 +19009,424 @@
           </a:ln>
         </p:spPr>
       </p:cxnSp>
+      <p:sp>
+        <p:nvSpPr>
+          <p:cNvPr id="155" name="Google Shape;155;g2d39e21f22f_0_28"/>
+          <p:cNvSpPr txBox="1"/>
+          <p:nvPr/>
+        </p:nvSpPr>
+        <p:spPr>
+          <a:xfrm>
+            <a:off x="381000" y="1686300"/>
+            <a:ext cx="11430000" cy="5264100"/>
+          </a:xfrm>
+          <a:prstGeom prst="rect">
+            <a:avLst/>
+          </a:prstGeom>
+          <a:noFill/>
+          <a:ln>
+            <a:noFill/>
+          </a:ln>
+        </p:spPr>
+        <p:txBody>
+          <a:bodyPr anchorCtr="0" anchor="t" bIns="91425" lIns="91425" spcFirstLastPara="1" rIns="91425" wrap="square" tIns="91425">
+            <a:spAutoFit/>
+          </a:bodyPr>
+          <a:lstStyle/>
+          <a:p>
+            <a:pPr indent="-317500" lvl="0" marL="457200" rtl="0" algn="ctr">
+              <a:spcBef>
+                <a:spcPts val="0"/>
+              </a:spcBef>
+              <a:spcAft>
+                <a:spcPts val="0"/>
+              </a:spcAft>
+              <a:buSzPts val="1400"/>
+              <a:buChar char="●"/>
+            </a:pPr>
+            <a:r>
+              <a:rPr b="1" lang="es-MX" sz="1800"/>
+              <a:t> </a:t>
+            </a:r>
+            <a:r>
+              <a:rPr b="1" lang="es-MX" sz="1900"/>
+              <a:t>Crear el trigger para encriptar la contraseña automáticamente al insertar</a:t>
+            </a:r>
+            <a:endParaRPr b="1" sz="1900"/>
+          </a:p>
+          <a:p>
+            <a:pPr indent="0" lvl="0" marL="0" rtl="0" algn="l">
+              <a:spcBef>
+                <a:spcPts val="0"/>
+              </a:spcBef>
+              <a:spcAft>
+                <a:spcPts val="0"/>
+              </a:spcAft>
+              <a:buNone/>
+            </a:pPr>
+            <a:r>
+              <a:t/>
+            </a:r>
+            <a:endParaRPr b="1" sz="1900"/>
+          </a:p>
+          <a:p>
+            <a:pPr indent="0" lvl="0" marL="0" rtl="0" algn="l">
+              <a:spcBef>
+                <a:spcPts val="0"/>
+              </a:spcBef>
+              <a:spcAft>
+                <a:spcPts val="0"/>
+              </a:spcAft>
+              <a:buNone/>
+            </a:pPr>
+            <a:r>
+              <a:rPr b="1" i="1" lang="es-MX" sz="1800"/>
+              <a:t>CREATE TRIGGER before_insert_registro BEFORE </a:t>
+            </a:r>
+            <a:endParaRPr b="1" i="1" sz="1800"/>
+          </a:p>
+          <a:p>
+            <a:pPr indent="0" lvl="0" marL="0" rtl="0" algn="l">
+              <a:spcBef>
+                <a:spcPts val="0"/>
+              </a:spcBef>
+              <a:spcAft>
+                <a:spcPts val="0"/>
+              </a:spcAft>
+              <a:buNone/>
+            </a:pPr>
+            <a:r>
+              <a:rPr b="1" i="1" lang="es-MX" sz="1800"/>
+              <a:t>INSERT ON registro FOR EACH ROW BEGIN SET NEW.contraseña = AES_ENCRYPT(NEW.contraseña, 'llave_secreta'); END;</a:t>
+            </a:r>
+            <a:endParaRPr b="1" i="1" sz="1800"/>
+          </a:p>
+          <a:p>
+            <a:pPr indent="0" lvl="0" marL="0" rtl="0" algn="l">
+              <a:spcBef>
+                <a:spcPts val="0"/>
+              </a:spcBef>
+              <a:spcAft>
+                <a:spcPts val="0"/>
+              </a:spcAft>
+              <a:buNone/>
+            </a:pPr>
+            <a:r>
+              <a:t/>
+            </a:r>
+            <a:endParaRPr sz="1800"/>
+          </a:p>
+          <a:p>
+            <a:pPr indent="-355600" lvl="0" marL="457200" rtl="0" algn="ctr">
+              <a:spcBef>
+                <a:spcPts val="0"/>
+              </a:spcBef>
+              <a:spcAft>
+                <a:spcPts val="0"/>
+              </a:spcAft>
+              <a:buSzPts val="2000"/>
+              <a:buChar char="●"/>
+            </a:pPr>
+            <a:r>
+              <a:rPr b="1" lang="es-MX" sz="2000"/>
+              <a:t>Crear el trigger para encriptar la contraseña automáticamente al actualizar</a:t>
+            </a:r>
+            <a:endParaRPr b="1" sz="2000"/>
+          </a:p>
+          <a:p>
+            <a:pPr indent="0" lvl="0" marL="0" rtl="0" algn="ctr">
+              <a:spcBef>
+                <a:spcPts val="0"/>
+              </a:spcBef>
+              <a:spcAft>
+                <a:spcPts val="0"/>
+              </a:spcAft>
+              <a:buNone/>
+            </a:pPr>
+            <a:r>
+              <a:t/>
+            </a:r>
+            <a:endParaRPr b="1" i="1" sz="1800"/>
+          </a:p>
+          <a:p>
+            <a:pPr indent="0" lvl="0" marL="0" rtl="0" algn="l">
+              <a:spcBef>
+                <a:spcPts val="0"/>
+              </a:spcBef>
+              <a:spcAft>
+                <a:spcPts val="0"/>
+              </a:spcAft>
+              <a:buClr>
+                <a:schemeClr val="dk1"/>
+              </a:buClr>
+              <a:buSzPts val="1100"/>
+              <a:buFont typeface="Arial"/>
+              <a:buNone/>
+            </a:pPr>
+            <a:r>
+              <a:rPr b="1" i="1" lang="es-MX" sz="1800">
+                <a:solidFill>
+                  <a:schemeClr val="dk1"/>
+                </a:solidFill>
+              </a:rPr>
+              <a:t>CREATE TRIGGER before_update_registro BEFORE UPDATE ON registro</a:t>
+            </a:r>
+            <a:endParaRPr b="1" i="1" sz="1800">
+              <a:solidFill>
+                <a:schemeClr val="dk1"/>
+              </a:solidFill>
+            </a:endParaRPr>
+          </a:p>
+          <a:p>
+            <a:pPr indent="0" lvl="0" marL="0" rtl="0" algn="l">
+              <a:spcBef>
+                <a:spcPts val="0"/>
+              </a:spcBef>
+              <a:spcAft>
+                <a:spcPts val="0"/>
+              </a:spcAft>
+              <a:buClr>
+                <a:schemeClr val="dk1"/>
+              </a:buClr>
+              <a:buSzPts val="1100"/>
+              <a:buFont typeface="Arial"/>
+              <a:buNone/>
+            </a:pPr>
+            <a:r>
+              <a:rPr b="1" i="1" lang="es-MX" sz="1800">
+                <a:solidFill>
+                  <a:schemeClr val="dk1"/>
+                </a:solidFill>
+              </a:rPr>
+              <a:t>FOR EACH ROW</a:t>
+            </a:r>
+            <a:endParaRPr b="1" i="1" sz="1800">
+              <a:solidFill>
+                <a:schemeClr val="dk1"/>
+              </a:solidFill>
+            </a:endParaRPr>
+          </a:p>
+          <a:p>
+            <a:pPr indent="0" lvl="0" marL="0" rtl="0" algn="l">
+              <a:spcBef>
+                <a:spcPts val="0"/>
+              </a:spcBef>
+              <a:spcAft>
+                <a:spcPts val="0"/>
+              </a:spcAft>
+              <a:buClr>
+                <a:schemeClr val="dk1"/>
+              </a:buClr>
+              <a:buSzPts val="1100"/>
+              <a:buFont typeface="Arial"/>
+              <a:buNone/>
+            </a:pPr>
+            <a:r>
+              <a:rPr b="1" i="1" lang="es-MX" sz="1800">
+                <a:solidFill>
+                  <a:schemeClr val="dk1"/>
+                </a:solidFill>
+              </a:rPr>
+              <a:t>BEGIN</a:t>
+            </a:r>
+            <a:endParaRPr b="1" i="1" sz="1800">
+              <a:solidFill>
+                <a:schemeClr val="dk1"/>
+              </a:solidFill>
+            </a:endParaRPr>
+          </a:p>
+          <a:p>
+            <a:pPr indent="0" lvl="0" marL="0" rtl="0" algn="l">
+              <a:spcBef>
+                <a:spcPts val="0"/>
+              </a:spcBef>
+              <a:spcAft>
+                <a:spcPts val="0"/>
+              </a:spcAft>
+              <a:buClr>
+                <a:schemeClr val="dk1"/>
+              </a:buClr>
+              <a:buSzPts val="1100"/>
+              <a:buFont typeface="Arial"/>
+              <a:buNone/>
+            </a:pPr>
+            <a:r>
+              <a:rPr b="1" i="1" lang="es-MX" sz="1800">
+                <a:solidFill>
+                  <a:schemeClr val="dk1"/>
+                </a:solidFill>
+              </a:rPr>
+              <a:t>  SET NEW.contraseña = AES_ENCRYPT(NEW.contraseña, 'llave_secreta');</a:t>
+            </a:r>
+            <a:endParaRPr b="1" i="1" sz="1800">
+              <a:solidFill>
+                <a:schemeClr val="dk1"/>
+              </a:solidFill>
+            </a:endParaRPr>
+          </a:p>
+          <a:p>
+            <a:pPr indent="0" lvl="0" marL="0" rtl="0" algn="l">
+              <a:spcBef>
+                <a:spcPts val="0"/>
+              </a:spcBef>
+              <a:spcAft>
+                <a:spcPts val="0"/>
+              </a:spcAft>
+              <a:buClr>
+                <a:schemeClr val="dk1"/>
+              </a:buClr>
+              <a:buSzPts val="1100"/>
+              <a:buFont typeface="Arial"/>
+              <a:buNone/>
+            </a:pPr>
+            <a:r>
+              <a:rPr b="1" i="1" lang="es-MX" sz="1800">
+                <a:solidFill>
+                  <a:schemeClr val="dk1"/>
+                </a:solidFill>
+              </a:rPr>
+              <a:t>END;</a:t>
+            </a:r>
+            <a:endParaRPr b="1" i="1" sz="1800">
+              <a:solidFill>
+                <a:schemeClr val="dk1"/>
+              </a:solidFill>
+            </a:endParaRPr>
+          </a:p>
+          <a:p>
+            <a:pPr indent="-355600" lvl="0" marL="457200" rtl="0" algn="ctr">
+              <a:spcBef>
+                <a:spcPts val="0"/>
+              </a:spcBef>
+              <a:spcAft>
+                <a:spcPts val="0"/>
+              </a:spcAft>
+              <a:buClr>
+                <a:schemeClr val="dk1"/>
+              </a:buClr>
+              <a:buSzPts val="2000"/>
+              <a:buChar char="●"/>
+            </a:pPr>
+            <a:r>
+              <a:rPr b="1" lang="es-MX" sz="2000">
+                <a:solidFill>
+                  <a:schemeClr val="dk1"/>
+                </a:solidFill>
+              </a:rPr>
+              <a:t>Recuperar la contraseña desencriptada</a:t>
+            </a:r>
+            <a:endParaRPr b="1" sz="2000">
+              <a:solidFill>
+                <a:schemeClr val="dk1"/>
+              </a:solidFill>
+            </a:endParaRPr>
+          </a:p>
+          <a:p>
+            <a:pPr indent="0" lvl="0" marL="0" rtl="0" algn="ctr">
+              <a:spcBef>
+                <a:spcPts val="0"/>
+              </a:spcBef>
+              <a:spcAft>
+                <a:spcPts val="0"/>
+              </a:spcAft>
+              <a:buNone/>
+            </a:pPr>
+            <a:r>
+              <a:t/>
+            </a:r>
+            <a:endParaRPr b="1" sz="1800">
+              <a:solidFill>
+                <a:schemeClr val="dk1"/>
+              </a:solidFill>
+            </a:endParaRPr>
+          </a:p>
+          <a:p>
+            <a:pPr indent="0" lvl="0" marL="0" rtl="0" algn="ctr">
+              <a:spcBef>
+                <a:spcPts val="0"/>
+              </a:spcBef>
+              <a:spcAft>
+                <a:spcPts val="0"/>
+              </a:spcAft>
+              <a:buClr>
+                <a:schemeClr val="dk1"/>
+              </a:buClr>
+              <a:buSzPts val="1100"/>
+              <a:buFont typeface="Arial"/>
+              <a:buNone/>
+            </a:pPr>
+            <a:r>
+              <a:rPr b="1" i="1" lang="es-MX" sz="1800">
+                <a:solidFill>
+                  <a:schemeClr val="dk1"/>
+                </a:solidFill>
+              </a:rPr>
+              <a:t>SET @Clave = 'llave_secreta'; SELECT num_doc, nombre, AES_DECRYPT(contraseña, @Clave) AS contraseña_desencriptada FROM registro WHERE num_doc = 12345678;</a:t>
+            </a:r>
+            <a:endParaRPr b="1" i="1" sz="1800">
+              <a:solidFill>
+                <a:schemeClr val="dk1"/>
+              </a:solidFill>
+            </a:endParaRPr>
+          </a:p>
+          <a:p>
+            <a:pPr indent="0" lvl="0" marL="0" rtl="0" algn="ctr">
+              <a:spcBef>
+                <a:spcPts val="0"/>
+              </a:spcBef>
+              <a:spcAft>
+                <a:spcPts val="0"/>
+              </a:spcAft>
+              <a:buNone/>
+            </a:pPr>
+            <a:r>
+              <a:t/>
+            </a:r>
+            <a:endParaRPr b="1" sz="1800"/>
+          </a:p>
+        </p:txBody>
+      </p:sp>
+      <p:sp>
+        <p:nvSpPr>
+          <p:cNvPr id="156" name="Google Shape;156;g2d39e21f22f_0_28"/>
+          <p:cNvSpPr txBox="1"/>
+          <p:nvPr/>
+        </p:nvSpPr>
+        <p:spPr>
+          <a:xfrm>
+            <a:off x="2169550" y="4509775"/>
+            <a:ext cx="10381200" cy="400200"/>
+          </a:xfrm>
+          <a:prstGeom prst="rect">
+            <a:avLst/>
+          </a:prstGeom>
+          <a:noFill/>
+          <a:ln>
+            <a:noFill/>
+          </a:ln>
+        </p:spPr>
+        <p:txBody>
+          <a:bodyPr anchorCtr="0" anchor="t" bIns="91425" lIns="91425" spcFirstLastPara="1" rIns="91425" wrap="square" tIns="91425">
+            <a:spAutoFit/>
+          </a:bodyPr>
+          <a:lstStyle/>
+          <a:p>
+            <a:pPr indent="0" lvl="0" marL="0" rtl="0" algn="l">
+              <a:spcBef>
+                <a:spcPts val="0"/>
+              </a:spcBef>
+              <a:spcAft>
+                <a:spcPts val="0"/>
+              </a:spcAft>
+              <a:buNone/>
+            </a:pPr>
+            <a:r>
+              <a:t/>
+            </a:r>
+            <a:endParaRPr/>
+          </a:p>
+        </p:txBody>
+      </p:sp>
     </p:spTree>
   </p:cSld>
   <p:clrMapOvr>
